--- a/slides/01_course_overview.pptx
+++ b/slides/01_course_overview.pptx
@@ -241,7 +241,7 @@
           <a:p>
             <a:fld id="{DB92F479-4B50-F243-9713-1B12EC2B4BDB}" type="datetimeFigureOut">
               <a:rPr lang="en-US" smtClean="0"/>
-              <a:t>1/17/15</a:t>
+              <a:t>1/18/15</a:t>
             </a:fld>
             <a:endParaRPr lang="en-US"/>
           </a:p>
@@ -1969,11 +1969,7 @@
           <a:p>
             <a:r>
               <a:rPr lang="en-US" baseline="0" dirty="0" smtClean="0"/>
-              <a:t>If you miss class – please inform me and </a:t>
-            </a:r>
-            <a:r>
-              <a:rPr lang="en-US" baseline="0" dirty="0" smtClean="0"/>
-              <a:t>Floyd</a:t>
+              <a:t>If you miss class – please inform me and Floyd</a:t>
             </a:r>
           </a:p>
           <a:p>

--- a/slides/01_course_overview.pptx
+++ b/slides/01_course_overview.pptx
@@ -241,7 +241,7 @@
           <a:p>
             <a:fld id="{DB92F479-4B50-F243-9713-1B12EC2B4BDB}" type="datetimeFigureOut">
               <a:rPr lang="en-US" smtClean="0"/>
-              <a:t>1/18/15</a:t>
+              <a:t>1/20/15</a:t>
             </a:fld>
             <a:endParaRPr lang="en-US"/>
           </a:p>
@@ -11063,8 +11063,17 @@
             </a:pPr>
             <a:r>
               <a:rPr lang="en-US" dirty="0" smtClean="0"/>
-              <a:t>What are YOUR EXPECTATIONS FOR ME AND HARI?</a:t>
-            </a:r>
+              <a:t>What are YOUR EXPECTATIONS FOR ME AND </a:t>
+            </a:r>
+            <a:r>
+              <a:rPr lang="en-US" dirty="0" err="1" smtClean="0"/>
+              <a:t>HARIsh</a:t>
+            </a:r>
+            <a:r>
+              <a:rPr lang="en-US" dirty="0" smtClean="0"/>
+              <a:t>?</a:t>
+            </a:r>
+            <a:endParaRPr lang="en-US" dirty="0" smtClean="0"/>
           </a:p>
         </p:txBody>
       </p:sp>
